--- a/illustration.pptx
+++ b/illustration.pptx
@@ -2,12 +2,12 @@
 <file path=ppt/presentation.xml><?xml version="1.0" encoding="utf-8"?>
 <p:presentation xmlns:a="http://schemas.openxmlformats.org/drawingml/2006/main" xmlns:r="http://schemas.openxmlformats.org/officeDocument/2006/relationships" xmlns:p="http://schemas.openxmlformats.org/presentationml/2006/main" saveSubsetFonts="1" autoCompressPictures="0">
   <p:sldMasterIdLst>
-    <p:sldMasterId id="2147483696" r:id="rId1"/>
+    <p:sldMasterId id="2147483708" r:id="rId1"/>
   </p:sldMasterIdLst>
   <p:sldIdLst>
     <p:sldId id="256" r:id="rId2"/>
   </p:sldIdLst>
-  <p:sldSz cx="12192000" cy="3657600"/>
+  <p:sldSz cx="13716000" cy="3657600"/>
   <p:notesSz cx="6858000" cy="9144000"/>
   <p:defaultTextStyle>
     <a:defPPr>
@@ -112,7 +112,7 @@
             <a:srgbClr val="A4A3A4"/>
           </p15:clr>
         </p15:guide>
-        <p15:guide id="2" pos="3840" userDrawn="1">
+        <p15:guide id="2" pos="4320" userDrawn="1">
           <p15:clr>
             <a:srgbClr val="A4A3A4"/>
           </p15:clr>
@@ -152,8 +152,8 @@
         </p:nvSpPr>
         <p:spPr>
           <a:xfrm>
-            <a:off x="1524000" y="598593"/>
-            <a:ext cx="9144000" cy="1273387"/>
+            <a:off x="1714500" y="598593"/>
+            <a:ext cx="10287000" cy="1273387"/>
           </a:xfrm>
         </p:spPr>
         <p:txBody>
@@ -184,8 +184,8 @@
         </p:nvSpPr>
         <p:spPr>
           <a:xfrm>
-            <a:off x="1524000" y="1921087"/>
-            <a:ext cx="9144000" cy="883073"/>
+            <a:off x="1714500" y="1921087"/>
+            <a:ext cx="10287000" cy="883073"/>
           </a:xfrm>
         </p:spPr>
         <p:txBody>
@@ -254,7 +254,7 @@
           <a:p>
             <a:fld id="{B6ACA730-8A14-F248-A4FE-5C6ACE57ADDE}" type="datetimeFigureOut">
               <a:rPr lang="en-US" smtClean="0"/>
-              <a:t>10/14/19</a:t>
+              <a:t>10/16/19</a:t>
             </a:fld>
             <a:endParaRPr lang="en-US"/>
           </a:p>
@@ -305,7 +305,7 @@
     </p:spTree>
     <p:extLst>
       <p:ext uri="{BB962C8B-B14F-4D97-AF65-F5344CB8AC3E}">
-        <p14:creationId xmlns:p14="http://schemas.microsoft.com/office/powerpoint/2010/main" val="1248984404"/>
+        <p14:creationId xmlns:p14="http://schemas.microsoft.com/office/powerpoint/2010/main" val="2655739375"/>
       </p:ext>
     </p:extLst>
   </p:cSld>
@@ -424,7 +424,7 @@
           <a:p>
             <a:fld id="{B6ACA730-8A14-F248-A4FE-5C6ACE57ADDE}" type="datetimeFigureOut">
               <a:rPr lang="en-US" smtClean="0"/>
-              <a:t>10/14/19</a:t>
+              <a:t>10/16/19</a:t>
             </a:fld>
             <a:endParaRPr lang="en-US"/>
           </a:p>
@@ -475,7 +475,7 @@
     </p:spTree>
     <p:extLst>
       <p:ext uri="{BB962C8B-B14F-4D97-AF65-F5344CB8AC3E}">
-        <p14:creationId xmlns:p14="http://schemas.microsoft.com/office/powerpoint/2010/main" val="2966077136"/>
+        <p14:creationId xmlns:p14="http://schemas.microsoft.com/office/powerpoint/2010/main" val="868027169"/>
       </p:ext>
     </p:extLst>
   </p:cSld>
@@ -514,8 +514,8 @@
         </p:nvSpPr>
         <p:spPr>
           <a:xfrm>
-            <a:off x="8724900" y="194733"/>
-            <a:ext cx="2628900" cy="3099647"/>
+            <a:off x="9815512" y="194733"/>
+            <a:ext cx="2957513" cy="3099647"/>
           </a:xfrm>
         </p:spPr>
         <p:txBody>
@@ -542,8 +542,8 @@
         </p:nvSpPr>
         <p:spPr>
           <a:xfrm>
-            <a:off x="838200" y="194733"/>
-            <a:ext cx="7734300" cy="3099647"/>
+            <a:off x="942975" y="194733"/>
+            <a:ext cx="8701088" cy="3099647"/>
           </a:xfrm>
         </p:spPr>
         <p:txBody>
@@ -604,7 +604,7 @@
           <a:p>
             <a:fld id="{B6ACA730-8A14-F248-A4FE-5C6ACE57ADDE}" type="datetimeFigureOut">
               <a:rPr lang="en-US" smtClean="0"/>
-              <a:t>10/14/19</a:t>
+              <a:t>10/16/19</a:t>
             </a:fld>
             <a:endParaRPr lang="en-US"/>
           </a:p>
@@ -655,7 +655,7 @@
     </p:spTree>
     <p:extLst>
       <p:ext uri="{BB962C8B-B14F-4D97-AF65-F5344CB8AC3E}">
-        <p14:creationId xmlns:p14="http://schemas.microsoft.com/office/powerpoint/2010/main" val="2985283433"/>
+        <p14:creationId xmlns:p14="http://schemas.microsoft.com/office/powerpoint/2010/main" val="3919269854"/>
       </p:ext>
     </p:extLst>
   </p:cSld>
@@ -774,7 +774,7 @@
           <a:p>
             <a:fld id="{B6ACA730-8A14-F248-A4FE-5C6ACE57ADDE}" type="datetimeFigureOut">
               <a:rPr lang="en-US" smtClean="0"/>
-              <a:t>10/14/19</a:t>
+              <a:t>10/16/19</a:t>
             </a:fld>
             <a:endParaRPr lang="en-US"/>
           </a:p>
@@ -825,7 +825,7 @@
     </p:spTree>
     <p:extLst>
       <p:ext uri="{BB962C8B-B14F-4D97-AF65-F5344CB8AC3E}">
-        <p14:creationId xmlns:p14="http://schemas.microsoft.com/office/powerpoint/2010/main" val="2208872550"/>
+        <p14:creationId xmlns:p14="http://schemas.microsoft.com/office/powerpoint/2010/main" val="557045015"/>
       </p:ext>
     </p:extLst>
   </p:cSld>
@@ -864,8 +864,8 @@
         </p:nvSpPr>
         <p:spPr>
           <a:xfrm>
-            <a:off x="831850" y="911860"/>
-            <a:ext cx="10515600" cy="1521460"/>
+            <a:off x="935831" y="911860"/>
+            <a:ext cx="11830050" cy="1521460"/>
           </a:xfrm>
         </p:spPr>
         <p:txBody>
@@ -896,8 +896,8 @@
         </p:nvSpPr>
         <p:spPr>
           <a:xfrm>
-            <a:off x="831850" y="2447714"/>
-            <a:ext cx="10515600" cy="800100"/>
+            <a:off x="935831" y="2447714"/>
+            <a:ext cx="11830050" cy="800100"/>
           </a:xfrm>
         </p:spPr>
         <p:txBody>
@@ -1020,7 +1020,7 @@
           <a:p>
             <a:fld id="{B6ACA730-8A14-F248-A4FE-5C6ACE57ADDE}" type="datetimeFigureOut">
               <a:rPr lang="en-US" smtClean="0"/>
-              <a:t>10/14/19</a:t>
+              <a:t>10/16/19</a:t>
             </a:fld>
             <a:endParaRPr lang="en-US"/>
           </a:p>
@@ -1071,7 +1071,7 @@
     </p:spTree>
     <p:extLst>
       <p:ext uri="{BB962C8B-B14F-4D97-AF65-F5344CB8AC3E}">
-        <p14:creationId xmlns:p14="http://schemas.microsoft.com/office/powerpoint/2010/main" val="2436529476"/>
+        <p14:creationId xmlns:p14="http://schemas.microsoft.com/office/powerpoint/2010/main" val="3437534521"/>
       </p:ext>
     </p:extLst>
   </p:cSld>
@@ -1133,8 +1133,8 @@
         </p:nvSpPr>
         <p:spPr>
           <a:xfrm>
-            <a:off x="838200" y="973666"/>
-            <a:ext cx="5181600" cy="2320714"/>
+            <a:off x="942975" y="973666"/>
+            <a:ext cx="5829300" cy="2320714"/>
           </a:xfrm>
         </p:spPr>
         <p:txBody>
@@ -1190,8 +1190,8 @@
         </p:nvSpPr>
         <p:spPr>
           <a:xfrm>
-            <a:off x="6172200" y="973666"/>
-            <a:ext cx="5181600" cy="2320714"/>
+            <a:off x="6943725" y="973666"/>
+            <a:ext cx="5829300" cy="2320714"/>
           </a:xfrm>
         </p:spPr>
         <p:txBody>
@@ -1252,7 +1252,7 @@
           <a:p>
             <a:fld id="{B6ACA730-8A14-F248-A4FE-5C6ACE57ADDE}" type="datetimeFigureOut">
               <a:rPr lang="en-US" smtClean="0"/>
-              <a:t>10/14/19</a:t>
+              <a:t>10/16/19</a:t>
             </a:fld>
             <a:endParaRPr lang="en-US"/>
           </a:p>
@@ -1303,7 +1303,7 @@
     </p:spTree>
     <p:extLst>
       <p:ext uri="{BB962C8B-B14F-4D97-AF65-F5344CB8AC3E}">
-        <p14:creationId xmlns:p14="http://schemas.microsoft.com/office/powerpoint/2010/main" val="1346012291"/>
+        <p14:creationId xmlns:p14="http://schemas.microsoft.com/office/powerpoint/2010/main" val="4089224771"/>
       </p:ext>
     </p:extLst>
   </p:cSld>
@@ -1342,8 +1342,8 @@
         </p:nvSpPr>
         <p:spPr>
           <a:xfrm>
-            <a:off x="839788" y="194734"/>
-            <a:ext cx="10515600" cy="706967"/>
+            <a:off x="944762" y="194734"/>
+            <a:ext cx="11830050" cy="706967"/>
           </a:xfrm>
         </p:spPr>
         <p:txBody>
@@ -1370,8 +1370,8 @@
         </p:nvSpPr>
         <p:spPr>
           <a:xfrm>
-            <a:off x="839789" y="896620"/>
-            <a:ext cx="5157787" cy="439420"/>
+            <a:off x="944762" y="896620"/>
+            <a:ext cx="5802510" cy="439420"/>
           </a:xfrm>
         </p:spPr>
         <p:txBody>
@@ -1435,8 +1435,8 @@
         </p:nvSpPr>
         <p:spPr>
           <a:xfrm>
-            <a:off x="839789" y="1336040"/>
-            <a:ext cx="5157787" cy="1965114"/>
+            <a:off x="944762" y="1336040"/>
+            <a:ext cx="5802510" cy="1965114"/>
           </a:xfrm>
         </p:spPr>
         <p:txBody>
@@ -1492,8 +1492,8 @@
         </p:nvSpPr>
         <p:spPr>
           <a:xfrm>
-            <a:off x="6172200" y="896620"/>
-            <a:ext cx="5183188" cy="439420"/>
+            <a:off x="6943725" y="896620"/>
+            <a:ext cx="5831087" cy="439420"/>
           </a:xfrm>
         </p:spPr>
         <p:txBody>
@@ -1557,8 +1557,8 @@
         </p:nvSpPr>
         <p:spPr>
           <a:xfrm>
-            <a:off x="6172200" y="1336040"/>
-            <a:ext cx="5183188" cy="1965114"/>
+            <a:off x="6943725" y="1336040"/>
+            <a:ext cx="5831087" cy="1965114"/>
           </a:xfrm>
         </p:spPr>
         <p:txBody>
@@ -1619,7 +1619,7 @@
           <a:p>
             <a:fld id="{B6ACA730-8A14-F248-A4FE-5C6ACE57ADDE}" type="datetimeFigureOut">
               <a:rPr lang="en-US" smtClean="0"/>
-              <a:t>10/14/19</a:t>
+              <a:t>10/16/19</a:t>
             </a:fld>
             <a:endParaRPr lang="en-US"/>
           </a:p>
@@ -1670,7 +1670,7 @@
     </p:spTree>
     <p:extLst>
       <p:ext uri="{BB962C8B-B14F-4D97-AF65-F5344CB8AC3E}">
-        <p14:creationId xmlns:p14="http://schemas.microsoft.com/office/powerpoint/2010/main" val="1538580939"/>
+        <p14:creationId xmlns:p14="http://schemas.microsoft.com/office/powerpoint/2010/main" val="992266926"/>
       </p:ext>
     </p:extLst>
   </p:cSld>
@@ -1737,7 +1737,7 @@
           <a:p>
             <a:fld id="{B6ACA730-8A14-F248-A4FE-5C6ACE57ADDE}" type="datetimeFigureOut">
               <a:rPr lang="en-US" smtClean="0"/>
-              <a:t>10/14/19</a:t>
+              <a:t>10/16/19</a:t>
             </a:fld>
             <a:endParaRPr lang="en-US"/>
           </a:p>
@@ -1788,7 +1788,7 @@
     </p:spTree>
     <p:extLst>
       <p:ext uri="{BB962C8B-B14F-4D97-AF65-F5344CB8AC3E}">
-        <p14:creationId xmlns:p14="http://schemas.microsoft.com/office/powerpoint/2010/main" val="2859279456"/>
+        <p14:creationId xmlns:p14="http://schemas.microsoft.com/office/powerpoint/2010/main" val="227482255"/>
       </p:ext>
     </p:extLst>
   </p:cSld>
@@ -1832,7 +1832,7 @@
           <a:p>
             <a:fld id="{B6ACA730-8A14-F248-A4FE-5C6ACE57ADDE}" type="datetimeFigureOut">
               <a:rPr lang="en-US" smtClean="0"/>
-              <a:t>10/14/19</a:t>
+              <a:t>10/16/19</a:t>
             </a:fld>
             <a:endParaRPr lang="en-US"/>
           </a:p>
@@ -1883,7 +1883,7 @@
     </p:spTree>
     <p:extLst>
       <p:ext uri="{BB962C8B-B14F-4D97-AF65-F5344CB8AC3E}">
-        <p14:creationId xmlns:p14="http://schemas.microsoft.com/office/powerpoint/2010/main" val="3631324659"/>
+        <p14:creationId xmlns:p14="http://schemas.microsoft.com/office/powerpoint/2010/main" val="4125694589"/>
       </p:ext>
     </p:extLst>
   </p:cSld>
@@ -1922,8 +1922,8 @@
         </p:nvSpPr>
         <p:spPr>
           <a:xfrm>
-            <a:off x="839789" y="243840"/>
-            <a:ext cx="3932237" cy="853440"/>
+            <a:off x="944762" y="243840"/>
+            <a:ext cx="4423767" cy="853440"/>
           </a:xfrm>
         </p:spPr>
         <p:txBody>
@@ -1954,8 +1954,8 @@
         </p:nvSpPr>
         <p:spPr>
           <a:xfrm>
-            <a:off x="5183188" y="526627"/>
-            <a:ext cx="6172200" cy="2599267"/>
+            <a:off x="5831087" y="526627"/>
+            <a:ext cx="6943725" cy="2599267"/>
           </a:xfrm>
         </p:spPr>
         <p:txBody>
@@ -2039,8 +2039,8 @@
         </p:nvSpPr>
         <p:spPr>
           <a:xfrm>
-            <a:off x="839789" y="1097280"/>
-            <a:ext cx="3932237" cy="2032847"/>
+            <a:off x="944762" y="1097280"/>
+            <a:ext cx="4423767" cy="2032847"/>
           </a:xfrm>
         </p:spPr>
         <p:txBody>
@@ -2109,7 +2109,7 @@
           <a:p>
             <a:fld id="{B6ACA730-8A14-F248-A4FE-5C6ACE57ADDE}" type="datetimeFigureOut">
               <a:rPr lang="en-US" smtClean="0"/>
-              <a:t>10/14/19</a:t>
+              <a:t>10/16/19</a:t>
             </a:fld>
             <a:endParaRPr lang="en-US"/>
           </a:p>
@@ -2160,7 +2160,7 @@
     </p:spTree>
     <p:extLst>
       <p:ext uri="{BB962C8B-B14F-4D97-AF65-F5344CB8AC3E}">
-        <p14:creationId xmlns:p14="http://schemas.microsoft.com/office/powerpoint/2010/main" val="3584027330"/>
+        <p14:creationId xmlns:p14="http://schemas.microsoft.com/office/powerpoint/2010/main" val="83830553"/>
       </p:ext>
     </p:extLst>
   </p:cSld>
@@ -2199,8 +2199,8 @@
         </p:nvSpPr>
         <p:spPr>
           <a:xfrm>
-            <a:off x="839789" y="243840"/>
-            <a:ext cx="3932237" cy="853440"/>
+            <a:off x="944762" y="243840"/>
+            <a:ext cx="4423767" cy="853440"/>
           </a:xfrm>
         </p:spPr>
         <p:txBody>
@@ -2231,8 +2231,8 @@
         </p:nvSpPr>
         <p:spPr>
           <a:xfrm>
-            <a:off x="5183188" y="526627"/>
-            <a:ext cx="6172200" cy="2599267"/>
+            <a:off x="5831087" y="526627"/>
+            <a:ext cx="6943725" cy="2599267"/>
           </a:xfrm>
         </p:spPr>
         <p:txBody>
@@ -2296,8 +2296,8 @@
         </p:nvSpPr>
         <p:spPr>
           <a:xfrm>
-            <a:off x="839789" y="1097280"/>
-            <a:ext cx="3932237" cy="2032847"/>
+            <a:off x="944762" y="1097280"/>
+            <a:ext cx="4423767" cy="2032847"/>
           </a:xfrm>
         </p:spPr>
         <p:txBody>
@@ -2366,7 +2366,7 @@
           <a:p>
             <a:fld id="{B6ACA730-8A14-F248-A4FE-5C6ACE57ADDE}" type="datetimeFigureOut">
               <a:rPr lang="en-US" smtClean="0"/>
-              <a:t>10/14/19</a:t>
+              <a:t>10/16/19</a:t>
             </a:fld>
             <a:endParaRPr lang="en-US"/>
           </a:p>
@@ -2417,7 +2417,7 @@
     </p:spTree>
     <p:extLst>
       <p:ext uri="{BB962C8B-B14F-4D97-AF65-F5344CB8AC3E}">
-        <p14:creationId xmlns:p14="http://schemas.microsoft.com/office/powerpoint/2010/main" val="3187280262"/>
+        <p14:creationId xmlns:p14="http://schemas.microsoft.com/office/powerpoint/2010/main" val="2100867947"/>
       </p:ext>
     </p:extLst>
   </p:cSld>
@@ -2461,8 +2461,8 @@
         </p:nvSpPr>
         <p:spPr>
           <a:xfrm>
-            <a:off x="838200" y="194734"/>
-            <a:ext cx="10515600" cy="706967"/>
+            <a:off x="942975" y="194734"/>
+            <a:ext cx="11830050" cy="706967"/>
           </a:xfrm>
           <a:prstGeom prst="rect">
             <a:avLst/>
@@ -2494,8 +2494,8 @@
         </p:nvSpPr>
         <p:spPr>
           <a:xfrm>
-            <a:off x="838200" y="973666"/>
-            <a:ext cx="10515600" cy="2320714"/>
+            <a:off x="942975" y="973666"/>
+            <a:ext cx="11830050" cy="2320714"/>
           </a:xfrm>
           <a:prstGeom prst="rect">
             <a:avLst/>
@@ -2556,8 +2556,8 @@
         </p:nvSpPr>
         <p:spPr>
           <a:xfrm>
-            <a:off x="838200" y="3390054"/>
-            <a:ext cx="2743200" cy="194733"/>
+            <a:off x="942975" y="3390054"/>
+            <a:ext cx="3086100" cy="194733"/>
           </a:xfrm>
           <a:prstGeom prst="rect">
             <a:avLst/>
@@ -2579,7 +2579,7 @@
           <a:p>
             <a:fld id="{B6ACA730-8A14-F248-A4FE-5C6ACE57ADDE}" type="datetimeFigureOut">
               <a:rPr lang="en-US" smtClean="0"/>
-              <a:t>10/14/19</a:t>
+              <a:t>10/16/19</a:t>
             </a:fld>
             <a:endParaRPr lang="en-US"/>
           </a:p>
@@ -2597,8 +2597,8 @@
         </p:nvSpPr>
         <p:spPr>
           <a:xfrm>
-            <a:off x="4038600" y="3390054"/>
-            <a:ext cx="4114800" cy="194733"/>
+            <a:off x="4543425" y="3390054"/>
+            <a:ext cx="4629150" cy="194733"/>
           </a:xfrm>
           <a:prstGeom prst="rect">
             <a:avLst/>
@@ -2634,8 +2634,8 @@
         </p:nvSpPr>
         <p:spPr>
           <a:xfrm>
-            <a:off x="8610600" y="3390054"/>
-            <a:ext cx="2743200" cy="194733"/>
+            <a:off x="9686925" y="3390054"/>
+            <a:ext cx="3086100" cy="194733"/>
           </a:xfrm>
           <a:prstGeom prst="rect">
             <a:avLst/>
@@ -2666,23 +2666,23 @@
     </p:spTree>
     <p:extLst>
       <p:ext uri="{BB962C8B-B14F-4D97-AF65-F5344CB8AC3E}">
-        <p14:creationId xmlns:p14="http://schemas.microsoft.com/office/powerpoint/2010/main" val="2514125008"/>
+        <p14:creationId xmlns:p14="http://schemas.microsoft.com/office/powerpoint/2010/main" val="3338852528"/>
       </p:ext>
     </p:extLst>
   </p:cSld>
   <p:clrMap bg1="lt1" tx1="dk1" bg2="lt2" tx2="dk2" accent1="accent1" accent2="accent2" accent3="accent3" accent4="accent4" accent5="accent5" accent6="accent6" hlink="hlink" folHlink="folHlink"/>
   <p:sldLayoutIdLst>
-    <p:sldLayoutId id="2147483697" r:id="rId1"/>
-    <p:sldLayoutId id="2147483698" r:id="rId2"/>
-    <p:sldLayoutId id="2147483699" r:id="rId3"/>
-    <p:sldLayoutId id="2147483700" r:id="rId4"/>
-    <p:sldLayoutId id="2147483701" r:id="rId5"/>
-    <p:sldLayoutId id="2147483702" r:id="rId6"/>
-    <p:sldLayoutId id="2147483703" r:id="rId7"/>
-    <p:sldLayoutId id="2147483704" r:id="rId8"/>
-    <p:sldLayoutId id="2147483705" r:id="rId9"/>
-    <p:sldLayoutId id="2147483706" r:id="rId10"/>
-    <p:sldLayoutId id="2147483707" r:id="rId11"/>
+    <p:sldLayoutId id="2147483709" r:id="rId1"/>
+    <p:sldLayoutId id="2147483710" r:id="rId2"/>
+    <p:sldLayoutId id="2147483711" r:id="rId3"/>
+    <p:sldLayoutId id="2147483712" r:id="rId4"/>
+    <p:sldLayoutId id="2147483713" r:id="rId5"/>
+    <p:sldLayoutId id="2147483714" r:id="rId6"/>
+    <p:sldLayoutId id="2147483715" r:id="rId7"/>
+    <p:sldLayoutId id="2147483716" r:id="rId8"/>
+    <p:sldLayoutId id="2147483717" r:id="rId9"/>
+    <p:sldLayoutId id="2147483718" r:id="rId10"/>
+    <p:sldLayoutId id="2147483719" r:id="rId11"/>
   </p:sldLayoutIdLst>
   <p:txStyles>
     <p:titleStyle>
@@ -2998,7 +2998,7 @@
         </p:nvSpPr>
         <p:spPr>
           <a:xfrm>
-            <a:off x="1900053" y="2223"/>
+            <a:off x="2662054" y="2223"/>
             <a:ext cx="9298379" cy="523220"/>
           </a:xfrm>
           <a:prstGeom prst="rect">
@@ -3036,10 +3036,10 @@
         </p:nvGrpSpPr>
         <p:grpSpPr>
           <a:xfrm>
-            <a:off x="6119050" y="549026"/>
-            <a:ext cx="5664428" cy="1008018"/>
-            <a:chOff x="6119050" y="604175"/>
-            <a:chExt cx="5664428" cy="1008018"/>
+            <a:off x="6134246" y="549026"/>
+            <a:ext cx="7581753" cy="767565"/>
+            <a:chOff x="6119049" y="604175"/>
+            <a:chExt cx="5763383" cy="767565"/>
           </a:xfrm>
         </p:grpSpPr>
         <p:sp>
@@ -3057,7 +3057,7 @@
           <p:spPr>
             <a:xfrm>
               <a:off x="6119050" y="604175"/>
-              <a:ext cx="5664428" cy="1008018"/>
+              <a:ext cx="5664428" cy="767565"/>
             </a:xfrm>
             <a:prstGeom prst="roundRect">
               <a:avLst/>
@@ -3109,8 +3109,8 @@
           </p:nvSpPr>
           <p:spPr>
             <a:xfrm>
-              <a:off x="6289047" y="631012"/>
-              <a:ext cx="5372100" cy="923330"/>
+              <a:off x="6119049" y="631012"/>
+              <a:ext cx="5763383" cy="707886"/>
             </a:xfrm>
             <a:prstGeom prst="rect">
               <a:avLst/>
@@ -3125,7 +3125,7 @@
             <a:p>
               <a:pPr algn="ctr"/>
               <a:r>
-                <a:rPr lang="en-US" dirty="0">
+                <a:rPr lang="en-US" sz="2000" dirty="0">
                   <a:latin typeface="Montserrat" pitchFamily="2" charset="77"/>
                 </a:rPr>
                 <a:t>Key Research Question</a:t>
@@ -3133,7 +3133,7 @@
             </a:p>
             <a:p>
               <a:r>
-                <a:rPr lang="en-US" dirty="0">
+                <a:rPr lang="en-US" sz="2000" dirty="0">
                   <a:latin typeface="Montserrat Light" pitchFamily="2" charset="77"/>
                 </a:rPr>
                 <a:t>How can intelligent agents support collaborative writing?</a:t>
@@ -3156,7 +3156,7 @@
         </p:nvGrpSpPr>
         <p:grpSpPr>
           <a:xfrm>
-            <a:off x="1808192" y="1216198"/>
+            <a:off x="2035104" y="822059"/>
             <a:ext cx="3938907" cy="2071770"/>
             <a:chOff x="1840464" y="3022404"/>
             <a:chExt cx="4792903" cy="2426230"/>
@@ -3525,8 +3525,8 @@
         </p:nvGrpSpPr>
         <p:grpSpPr>
           <a:xfrm>
-            <a:off x="164110" y="1121531"/>
-            <a:ext cx="1589942" cy="1970913"/>
+            <a:off x="130176" y="575863"/>
+            <a:ext cx="1942403" cy="2166431"/>
             <a:chOff x="164110" y="1176679"/>
             <a:chExt cx="1589942" cy="1970913"/>
           </a:xfrm>
@@ -4332,8 +4332,8 @@
         </p:nvSpPr>
         <p:spPr>
           <a:xfrm>
-            <a:off x="5950101" y="1649378"/>
-            <a:ext cx="3234318" cy="861774"/>
+            <a:off x="6180863" y="1348755"/>
+            <a:ext cx="3497130" cy="1138773"/>
           </a:xfrm>
           <a:prstGeom prst="rect">
             <a:avLst/>
@@ -4349,16 +4349,25 @@
             <a:pPr algn="ctr"/>
             <a:r>
               <a:rPr lang="en-US" b="1" dirty="0">
+                <a:latin typeface="Montserrat Light" pitchFamily="2" charset="77"/>
+              </a:rPr>
+              <a:t>Computational approaches to generating </a:t>
+            </a:r>
+            <a:r>
+              <a:rPr lang="en-US" b="1" i="1" dirty="0">
                 <a:solidFill>
                   <a:srgbClr val="C00000"/>
                 </a:solidFill>
                 <a:latin typeface="Montserrat Light" pitchFamily="2" charset="77"/>
               </a:rPr>
-              <a:t>Suggestions</a:t>
-            </a:r>
-          </a:p>
-          <a:p>
-            <a:pPr indent="-91440">
+              <a:t>suggestions</a:t>
+            </a:r>
+            <a:endParaRPr lang="en-US" sz="1600" dirty="0">
+              <a:latin typeface="Montserrat Light" pitchFamily="2" charset="77"/>
+            </a:endParaRPr>
+          </a:p>
+          <a:p>
+            <a:pPr indent="-182880">
               <a:buFont typeface="Arial" panose="020B0604020202020204" pitchFamily="34" charset="0"/>
               <a:buChar char="•"/>
             </a:pPr>
@@ -4370,7 +4379,7 @@
             </a:r>
           </a:p>
           <a:p>
-            <a:pPr indent="-91440">
+            <a:pPr indent="-182880">
               <a:buFont typeface="Arial" panose="020B0604020202020204" pitchFamily="34" charset="0"/>
               <a:buChar char="•"/>
             </a:pPr>
@@ -4397,8 +4406,8 @@
         </p:nvSpPr>
         <p:spPr>
           <a:xfrm>
-            <a:off x="5954281" y="2522441"/>
-            <a:ext cx="2651838" cy="1138773"/>
+            <a:off x="6296701" y="2450401"/>
+            <a:ext cx="3062233" cy="1200329"/>
           </a:xfrm>
           <a:prstGeom prst="rect">
             <a:avLst/>
@@ -4420,36 +4429,36 @@
             </a:r>
           </a:p>
           <a:p>
-            <a:pPr indent="-91440">
+            <a:pPr indent="-182880">
               <a:buFont typeface="Arial" panose="020B0604020202020204" pitchFamily="34" charset="0"/>
               <a:buChar char="•"/>
             </a:pPr>
             <a:r>
-              <a:rPr lang="en-US" sz="1600" dirty="0">
+              <a:rPr lang="en-US" dirty="0">
                 <a:latin typeface="Montserrat Light" pitchFamily="2" charset="77"/>
               </a:rPr>
               <a:t>Slogans</a:t>
             </a:r>
           </a:p>
           <a:p>
-            <a:pPr indent="-91440">
+            <a:pPr indent="-182880">
               <a:buFont typeface="Arial" panose="020B0604020202020204" pitchFamily="34" charset="0"/>
               <a:buChar char="•"/>
             </a:pPr>
             <a:r>
-              <a:rPr lang="en-US" sz="1600" dirty="0">
+              <a:rPr lang="en-US" dirty="0">
                 <a:latin typeface="Montserrat Light" pitchFamily="2" charset="77"/>
               </a:rPr>
               <a:t>Online advertisements</a:t>
             </a:r>
           </a:p>
           <a:p>
-            <a:pPr indent="-91440">
+            <a:pPr indent="-182880">
               <a:buFont typeface="Arial" panose="020B0604020202020204" pitchFamily="34" charset="0"/>
               <a:buChar char="•"/>
             </a:pPr>
             <a:r>
-              <a:rPr lang="en-US" sz="1600" dirty="0">
+              <a:rPr lang="en-US" dirty="0">
                 <a:latin typeface="Montserrat Light" pitchFamily="2" charset="77"/>
               </a:rPr>
               <a:t>Wikipedia pages</a:t>
@@ -4471,8 +4480,8 @@
         </p:nvSpPr>
         <p:spPr>
           <a:xfrm>
-            <a:off x="8838262" y="1757650"/>
-            <a:ext cx="3234319" cy="1846659"/>
+            <a:off x="9563502" y="1596362"/>
+            <a:ext cx="4148253" cy="1846659"/>
           </a:xfrm>
           <a:prstGeom prst="rect">
             <a:avLst/>
@@ -4494,31 +4503,49 @@
             </a:r>
           </a:p>
           <a:p>
-            <a:pPr indent="-91440">
+            <a:pPr indent="-182880">
               <a:buFont typeface="Arial" panose="020B0604020202020204" pitchFamily="34" charset="0"/>
               <a:buChar char="•"/>
             </a:pPr>
             <a:r>
+              <a:rPr lang="en-US" sz="1600" i="1" dirty="0">
+                <a:solidFill>
+                  <a:srgbClr val="C00000"/>
+                </a:solidFill>
+                <a:latin typeface="Montserrat Light" pitchFamily="2" charset="77"/>
+              </a:rPr>
+              <a:t>Effectiveness</a:t>
+            </a:r>
+            <a:r>
               <a:rPr lang="en-US" sz="1600" dirty="0">
                 <a:latin typeface="Montserrat Light" pitchFamily="2" charset="77"/>
               </a:rPr>
-              <a:t>Suggestion effectiveness</a:t>
-            </a:r>
-          </a:p>
-          <a:p>
-            <a:pPr indent="-91440">
+              <a:t> of suggestions</a:t>
+            </a:r>
+          </a:p>
+          <a:p>
+            <a:pPr indent="-182880">
               <a:buFont typeface="Arial" panose="020B0604020202020204" pitchFamily="34" charset="0"/>
               <a:buChar char="•"/>
             </a:pPr>
             <a:r>
+              <a:rPr lang="en-US" sz="1600" i="1" dirty="0">
+                <a:solidFill>
+                  <a:srgbClr val="C00000"/>
+                </a:solidFill>
+                <a:latin typeface="Montserrat Light" pitchFamily="2" charset="77"/>
+              </a:rPr>
+              <a:t>Complementarity</a:t>
+            </a:r>
+            <a:r>
               <a:rPr lang="en-US" sz="1600" dirty="0">
                 <a:latin typeface="Montserrat Light" pitchFamily="2" charset="77"/>
               </a:rPr>
-              <a:t>Suggestion complementarity</a:t>
-            </a:r>
-          </a:p>
-          <a:p>
-            <a:pPr indent="-91440">
+              <a:t> of suggestions</a:t>
+            </a:r>
+          </a:p>
+          <a:p>
+            <a:pPr indent="-182880">
               <a:buFont typeface="Arial" panose="020B0604020202020204" pitchFamily="34" charset="0"/>
               <a:buChar char="•"/>
             </a:pPr>
@@ -4526,19 +4553,28 @@
               <a:rPr lang="en-US" sz="1600" dirty="0">
                 <a:latin typeface="Montserrat Light" pitchFamily="2" charset="77"/>
               </a:rPr>
-              <a:t>Team size</a:t>
-            </a:r>
-          </a:p>
-          <a:p>
-            <a:pPr indent="-91440">
+              <a:t>Effect of team size</a:t>
+            </a:r>
+          </a:p>
+          <a:p>
+            <a:pPr indent="-182880">
               <a:buFont typeface="Arial" panose="020B0604020202020204" pitchFamily="34" charset="0"/>
               <a:buChar char="•"/>
             </a:pPr>
+            <a:endParaRPr lang="en-US" sz="1600" dirty="0">
+              <a:latin typeface="Montserrat Light" pitchFamily="2" charset="77"/>
+            </a:endParaRPr>
+          </a:p>
+          <a:p>
+            <a:pPr indent="-182880">
+              <a:buFont typeface="Arial" panose="020B0604020202020204" pitchFamily="34" charset="0"/>
+              <a:buChar char="•"/>
+            </a:pPr>
             <a:r>
               <a:rPr lang="en-US" sz="1600" dirty="0">
                 <a:latin typeface="Montserrat Light" pitchFamily="2" charset="77"/>
               </a:rPr>
-              <a:t>Diverse study subjects (students, </a:t>
+              <a:t>Involving diverse study subjects (students, </a:t>
             </a:r>
             <a:r>
               <a:rPr lang="en-US" sz="1600" dirty="0" err="1">
